--- a/RAP Managed : Unmanaged Presentation/RAP_DEMO_DOKU_unmanaged_en.pptx
+++ b/RAP Managed : Unmanaged Presentation/RAP_DEMO_DOKU_unmanaged_en.pptx
@@ -116,14 +116,6 @@
     </p:ext>
   </p:extLst>
 </p:presentation>
-</file>
-
-<file path=ppt/revisionInfo.xml><?xml version="1.0" encoding="utf-8"?>
-<p1510:revInfo xmlns:a="http://schemas.openxmlformats.org/drawingml/2006/main" xmlns:r="http://schemas.openxmlformats.org/officeDocument/2006/relationships" xmlns:p1510="http://schemas.microsoft.com/office/powerpoint/2015/10/main">
-  <p1510:revLst>
-    <p1510:client id="{65CA1DC8-A29F-3A4E-B0D7-448D128E28FC}" v="9" dt="2024-06-11T17:36:09.726"/>
-  </p1510:revLst>
-</p1510:revInfo>
 </file>
 
 <file path=ppt/slideLayouts/slideLayout1.xml><?xml version="1.0" encoding="utf-8"?>
@@ -4161,7 +4153,7 @@
             <a:pPr algn="ctr"/>
             <a:r>
               <a:rPr lang="de-DE" sz="1600" dirty="0"/>
-              <a:t>Implement </a:t>
+              <a:t>Create </a:t>
             </a:r>
             <a:r>
               <a:rPr lang="de-DE" sz="1600" dirty="0" err="1"/>

--- a/RAP Managed : Unmanaged Presentation/RAP_DEMO_DOKU_unmanaged_en.pptx
+++ b/RAP Managed : Unmanaged Presentation/RAP_DEMO_DOKU_unmanaged_en.pptx
@@ -12,6 +12,12 @@
     <p:sldId id="287" r:id="rId6"/>
     <p:sldId id="288" r:id="rId7"/>
     <p:sldId id="289" r:id="rId8"/>
+    <p:sldId id="290" r:id="rId9"/>
+    <p:sldId id="291" r:id="rId10"/>
+    <p:sldId id="292" r:id="rId11"/>
+    <p:sldId id="293" r:id="rId12"/>
+    <p:sldId id="294" r:id="rId13"/>
+    <p:sldId id="295" r:id="rId14"/>
   </p:sldIdLst>
   <p:sldSz cx="12192000" cy="6858000"/>
   <p:notesSz cx="6858000" cy="9144000"/>
@@ -265,7 +271,7 @@
           <a:p>
             <a:fld id="{6D5CDF9B-D398-4250-A5D8-5FB8CF89A66D}" type="datetimeFigureOut">
               <a:rPr lang="de-DE" smtClean="0"/>
-              <a:t>11.06.24</a:t>
+              <a:t>13.06.24</a:t>
             </a:fld>
             <a:endParaRPr lang="de-DE"/>
           </a:p>
@@ -463,7 +469,7 @@
           <a:p>
             <a:fld id="{6D5CDF9B-D398-4250-A5D8-5FB8CF89A66D}" type="datetimeFigureOut">
               <a:rPr lang="de-DE" smtClean="0"/>
-              <a:t>11.06.24</a:t>
+              <a:t>13.06.24</a:t>
             </a:fld>
             <a:endParaRPr lang="de-DE"/>
           </a:p>
@@ -671,7 +677,7 @@
           <a:p>
             <a:fld id="{6D5CDF9B-D398-4250-A5D8-5FB8CF89A66D}" type="datetimeFigureOut">
               <a:rPr lang="de-DE" smtClean="0"/>
-              <a:t>11.06.24</a:t>
+              <a:t>13.06.24</a:t>
             </a:fld>
             <a:endParaRPr lang="de-DE"/>
           </a:p>
@@ -869,7 +875,7 @@
           <a:p>
             <a:fld id="{6D5CDF9B-D398-4250-A5D8-5FB8CF89A66D}" type="datetimeFigureOut">
               <a:rPr lang="de-DE" smtClean="0"/>
-              <a:t>11.06.24</a:t>
+              <a:t>13.06.24</a:t>
             </a:fld>
             <a:endParaRPr lang="de-DE"/>
           </a:p>
@@ -1144,7 +1150,7 @@
           <a:p>
             <a:fld id="{6D5CDF9B-D398-4250-A5D8-5FB8CF89A66D}" type="datetimeFigureOut">
               <a:rPr lang="de-DE" smtClean="0"/>
-              <a:t>11.06.24</a:t>
+              <a:t>13.06.24</a:t>
             </a:fld>
             <a:endParaRPr lang="de-DE"/>
           </a:p>
@@ -1409,7 +1415,7 @@
           <a:p>
             <a:fld id="{6D5CDF9B-D398-4250-A5D8-5FB8CF89A66D}" type="datetimeFigureOut">
               <a:rPr lang="de-DE" smtClean="0"/>
-              <a:t>11.06.24</a:t>
+              <a:t>13.06.24</a:t>
             </a:fld>
             <a:endParaRPr lang="de-DE"/>
           </a:p>
@@ -1821,7 +1827,7 @@
           <a:p>
             <a:fld id="{6D5CDF9B-D398-4250-A5D8-5FB8CF89A66D}" type="datetimeFigureOut">
               <a:rPr lang="de-DE" smtClean="0"/>
-              <a:t>11.06.24</a:t>
+              <a:t>13.06.24</a:t>
             </a:fld>
             <a:endParaRPr lang="de-DE"/>
           </a:p>
@@ -1962,7 +1968,7 @@
           <a:p>
             <a:fld id="{6D5CDF9B-D398-4250-A5D8-5FB8CF89A66D}" type="datetimeFigureOut">
               <a:rPr lang="de-DE" smtClean="0"/>
-              <a:t>11.06.24</a:t>
+              <a:t>13.06.24</a:t>
             </a:fld>
             <a:endParaRPr lang="de-DE"/>
           </a:p>
@@ -2075,7 +2081,7 @@
           <a:p>
             <a:fld id="{6D5CDF9B-D398-4250-A5D8-5FB8CF89A66D}" type="datetimeFigureOut">
               <a:rPr lang="de-DE" smtClean="0"/>
-              <a:t>11.06.24</a:t>
+              <a:t>13.06.24</a:t>
             </a:fld>
             <a:endParaRPr lang="de-DE"/>
           </a:p>
@@ -2386,7 +2392,7 @@
           <a:p>
             <a:fld id="{6D5CDF9B-D398-4250-A5D8-5FB8CF89A66D}" type="datetimeFigureOut">
               <a:rPr lang="de-DE" smtClean="0"/>
-              <a:t>11.06.24</a:t>
+              <a:t>13.06.24</a:t>
             </a:fld>
             <a:endParaRPr lang="de-DE"/>
           </a:p>
@@ -2674,7 +2680,7 @@
           <a:p>
             <a:fld id="{6D5CDF9B-D398-4250-A5D8-5FB8CF89A66D}" type="datetimeFigureOut">
               <a:rPr lang="de-DE" smtClean="0"/>
-              <a:t>11.06.24</a:t>
+              <a:t>13.06.24</a:t>
             </a:fld>
             <a:endParaRPr lang="de-DE"/>
           </a:p>
@@ -2915,7 +2921,7 @@
           <a:p>
             <a:fld id="{6D5CDF9B-D398-4250-A5D8-5FB8CF89A66D}" type="datetimeFigureOut">
               <a:rPr lang="de-DE" smtClean="0"/>
-              <a:t>11.06.24</a:t>
+              <a:t>13.06.24</a:t>
             </a:fld>
             <a:endParaRPr lang="de-DE"/>
           </a:p>
@@ -3402,6 +3408,369 @@
 </p:sld>
 </file>
 
+<file path=ppt/slides/slide10.xml><?xml version="1.0" encoding="utf-8"?>
+<p:sld xmlns:a="http://schemas.openxmlformats.org/drawingml/2006/main" xmlns:r="http://schemas.openxmlformats.org/officeDocument/2006/relationships" xmlns:p="http://schemas.openxmlformats.org/presentationml/2006/main">
+  <p:cSld>
+    <p:spTree>
+      <p:nvGrpSpPr>
+        <p:cNvPr id="1" name=""/>
+        <p:cNvGrpSpPr/>
+        <p:nvPr/>
+      </p:nvGrpSpPr>
+      <p:grpSpPr>
+        <a:xfrm>
+          <a:off x="0" y="0"/>
+          <a:ext cx="0" cy="0"/>
+          <a:chOff x="0" y="0"/>
+          <a:chExt cx="0" cy="0"/>
+        </a:xfrm>
+      </p:grpSpPr>
+      <p:sp>
+        <p:nvSpPr>
+          <p:cNvPr id="2" name="Titel 1">
+            <a:extLst>
+              <a:ext uri="{FF2B5EF4-FFF2-40B4-BE49-F238E27FC236}">
+                <a16:creationId xmlns:a16="http://schemas.microsoft.com/office/drawing/2014/main" id="{C9EA7CAA-AA97-6640-BD79-7261E475A49A}"/>
+              </a:ext>
+            </a:extLst>
+          </p:cNvPr>
+          <p:cNvSpPr>
+            <a:spLocks noGrp="1"/>
+          </p:cNvSpPr>
+          <p:nvPr>
+            <p:ph type="title"/>
+          </p:nvPr>
+        </p:nvSpPr>
+        <p:spPr/>
+        <p:txBody>
+          <a:bodyPr/>
+          <a:lstStyle/>
+          <a:p>
+            <a:r>
+              <a:rPr lang="de-DE" dirty="0"/>
+              <a:t>Table </a:t>
+            </a:r>
+            <a:r>
+              <a:rPr lang="de-DE" dirty="0" err="1"/>
+              <a:t>Types</a:t>
+            </a:r>
+            <a:endParaRPr lang="de-DE" dirty="0"/>
+          </a:p>
+        </p:txBody>
+      </p:sp>
+      <p:pic>
+        <p:nvPicPr>
+          <p:cNvPr id="5" name="Grafik 4">
+            <a:extLst>
+              <a:ext uri="{FF2B5EF4-FFF2-40B4-BE49-F238E27FC236}">
+                <a16:creationId xmlns:a16="http://schemas.microsoft.com/office/drawing/2014/main" id="{6C86F297-9EE5-93CF-0346-197593A0D39A}"/>
+              </a:ext>
+            </a:extLst>
+          </p:cNvPr>
+          <p:cNvPicPr>
+            <a:picLocks noChangeAspect="1"/>
+          </p:cNvPicPr>
+          <p:nvPr/>
+        </p:nvPicPr>
+        <p:blipFill>
+          <a:blip r:embed="rId2"/>
+          <a:stretch>
+            <a:fillRect/>
+          </a:stretch>
+        </p:blipFill>
+        <p:spPr>
+          <a:xfrm>
+            <a:off x="2209800" y="2148799"/>
+            <a:ext cx="7772400" cy="2560402"/>
+          </a:xfrm>
+          <a:prstGeom prst="rect">
+            <a:avLst/>
+          </a:prstGeom>
+        </p:spPr>
+      </p:pic>
+    </p:spTree>
+    <p:extLst>
+      <p:ext uri="{BB962C8B-B14F-4D97-AF65-F5344CB8AC3E}">
+        <p14:creationId xmlns:p14="http://schemas.microsoft.com/office/powerpoint/2010/main" val="1801227293"/>
+      </p:ext>
+    </p:extLst>
+  </p:cSld>
+  <p:clrMapOvr>
+    <a:masterClrMapping/>
+  </p:clrMapOvr>
+</p:sld>
+</file>
+
+<file path=ppt/slides/slide11.xml><?xml version="1.0" encoding="utf-8"?>
+<p:sld xmlns:a="http://schemas.openxmlformats.org/drawingml/2006/main" xmlns:r="http://schemas.openxmlformats.org/officeDocument/2006/relationships" xmlns:p="http://schemas.openxmlformats.org/presentationml/2006/main">
+  <p:cSld>
+    <p:spTree>
+      <p:nvGrpSpPr>
+        <p:cNvPr id="1" name=""/>
+        <p:cNvGrpSpPr/>
+        <p:nvPr/>
+      </p:nvGrpSpPr>
+      <p:grpSpPr>
+        <a:xfrm>
+          <a:off x="0" y="0"/>
+          <a:ext cx="0" cy="0"/>
+          <a:chOff x="0" y="0"/>
+          <a:chExt cx="0" cy="0"/>
+        </a:xfrm>
+      </p:grpSpPr>
+      <p:sp>
+        <p:nvSpPr>
+          <p:cNvPr id="2" name="Titel 1">
+            <a:extLst>
+              <a:ext uri="{FF2B5EF4-FFF2-40B4-BE49-F238E27FC236}">
+                <a16:creationId xmlns:a16="http://schemas.microsoft.com/office/drawing/2014/main" id="{B4750116-BAA4-8C56-422C-7179523DECF0}"/>
+              </a:ext>
+            </a:extLst>
+          </p:cNvPr>
+          <p:cNvSpPr>
+            <a:spLocks noGrp="1"/>
+          </p:cNvSpPr>
+          <p:nvPr>
+            <p:ph type="title"/>
+          </p:nvPr>
+        </p:nvSpPr>
+        <p:spPr/>
+        <p:txBody>
+          <a:bodyPr/>
+          <a:lstStyle/>
+          <a:p>
+            <a:r>
+              <a:rPr lang="de-DE" dirty="0"/>
+              <a:t>Domain</a:t>
+            </a:r>
+          </a:p>
+        </p:txBody>
+      </p:sp>
+      <p:pic>
+        <p:nvPicPr>
+          <p:cNvPr id="4" name="Inhaltsplatzhalter 3">
+            <a:extLst>
+              <a:ext uri="{FF2B5EF4-FFF2-40B4-BE49-F238E27FC236}">
+                <a16:creationId xmlns:a16="http://schemas.microsoft.com/office/drawing/2014/main" id="{884C7DF9-7E81-A5CC-FAEE-4C558FA6B322}"/>
+              </a:ext>
+            </a:extLst>
+          </p:cNvPr>
+          <p:cNvPicPr>
+            <a:picLocks noGrp="1" noChangeAspect="1"/>
+          </p:cNvPicPr>
+          <p:nvPr>
+            <p:ph idx="1"/>
+          </p:nvPr>
+        </p:nvPicPr>
+        <p:blipFill>
+          <a:blip r:embed="rId2"/>
+          <a:stretch>
+            <a:fillRect/>
+          </a:stretch>
+        </p:blipFill>
+        <p:spPr>
+          <a:xfrm>
+            <a:off x="838200" y="2168386"/>
+            <a:ext cx="10515600" cy="3665815"/>
+          </a:xfrm>
+          <a:prstGeom prst="rect">
+            <a:avLst/>
+          </a:prstGeom>
+        </p:spPr>
+      </p:pic>
+    </p:spTree>
+    <p:extLst>
+      <p:ext uri="{BB962C8B-B14F-4D97-AF65-F5344CB8AC3E}">
+        <p14:creationId xmlns:p14="http://schemas.microsoft.com/office/powerpoint/2010/main" val="2398148893"/>
+      </p:ext>
+    </p:extLst>
+  </p:cSld>
+  <p:clrMapOvr>
+    <a:masterClrMapping/>
+  </p:clrMapOvr>
+</p:sld>
+</file>
+
+<file path=ppt/slides/slide12.xml><?xml version="1.0" encoding="utf-8"?>
+<p:sld xmlns:a="http://schemas.openxmlformats.org/drawingml/2006/main" xmlns:r="http://schemas.openxmlformats.org/officeDocument/2006/relationships" xmlns:p="http://schemas.openxmlformats.org/presentationml/2006/main">
+  <p:cSld>
+    <p:spTree>
+      <p:nvGrpSpPr>
+        <p:cNvPr id="1" name=""/>
+        <p:cNvGrpSpPr/>
+        <p:nvPr/>
+      </p:nvGrpSpPr>
+      <p:grpSpPr>
+        <a:xfrm>
+          <a:off x="0" y="0"/>
+          <a:ext cx="0" cy="0"/>
+          <a:chOff x="0" y="0"/>
+          <a:chExt cx="0" cy="0"/>
+        </a:xfrm>
+      </p:grpSpPr>
+      <p:sp>
+        <p:nvSpPr>
+          <p:cNvPr id="2" name="Titel 1">
+            <a:extLst>
+              <a:ext uri="{FF2B5EF4-FFF2-40B4-BE49-F238E27FC236}">
+                <a16:creationId xmlns:a16="http://schemas.microsoft.com/office/drawing/2014/main" id="{A3E2D1C0-7D10-7E9C-0E1F-68149463F5D4}"/>
+              </a:ext>
+            </a:extLst>
+          </p:cNvPr>
+          <p:cNvSpPr>
+            <a:spLocks noGrp="1"/>
+          </p:cNvSpPr>
+          <p:nvPr>
+            <p:ph type="title"/>
+          </p:nvPr>
+        </p:nvSpPr>
+        <p:spPr/>
+        <p:txBody>
+          <a:bodyPr/>
+          <a:lstStyle/>
+          <a:p>
+            <a:r>
+              <a:rPr lang="de-DE" dirty="0"/>
+              <a:t>Data Elements	</a:t>
+            </a:r>
+          </a:p>
+        </p:txBody>
+      </p:sp>
+      <p:pic>
+        <p:nvPicPr>
+          <p:cNvPr id="4" name="Inhaltsplatzhalter 3">
+            <a:extLst>
+              <a:ext uri="{FF2B5EF4-FFF2-40B4-BE49-F238E27FC236}">
+                <a16:creationId xmlns:a16="http://schemas.microsoft.com/office/drawing/2014/main" id="{4F88A668-79B0-270A-C413-41858F71DB00}"/>
+              </a:ext>
+            </a:extLst>
+          </p:cNvPr>
+          <p:cNvPicPr>
+            <a:picLocks noGrp="1" noChangeAspect="1"/>
+          </p:cNvPicPr>
+          <p:nvPr>
+            <p:ph idx="1"/>
+          </p:nvPr>
+        </p:nvPicPr>
+        <p:blipFill>
+          <a:blip r:embed="rId2"/>
+          <a:stretch>
+            <a:fillRect/>
+          </a:stretch>
+        </p:blipFill>
+        <p:spPr>
+          <a:xfrm>
+            <a:off x="838200" y="2692835"/>
+            <a:ext cx="10515600" cy="2616917"/>
+          </a:xfrm>
+          <a:prstGeom prst="rect">
+            <a:avLst/>
+          </a:prstGeom>
+        </p:spPr>
+      </p:pic>
+    </p:spTree>
+    <p:extLst>
+      <p:ext uri="{BB962C8B-B14F-4D97-AF65-F5344CB8AC3E}">
+        <p14:creationId xmlns:p14="http://schemas.microsoft.com/office/powerpoint/2010/main" val="1713998178"/>
+      </p:ext>
+    </p:extLst>
+  </p:cSld>
+  <p:clrMapOvr>
+    <a:masterClrMapping/>
+  </p:clrMapOvr>
+</p:sld>
+</file>
+
+<file path=ppt/slides/slide13.xml><?xml version="1.0" encoding="utf-8"?>
+<p:sld xmlns:a="http://schemas.openxmlformats.org/drawingml/2006/main" xmlns:r="http://schemas.openxmlformats.org/officeDocument/2006/relationships" xmlns:p="http://schemas.openxmlformats.org/presentationml/2006/main">
+  <p:cSld>
+    <p:spTree>
+      <p:nvGrpSpPr>
+        <p:cNvPr id="1" name=""/>
+        <p:cNvGrpSpPr/>
+        <p:nvPr/>
+      </p:nvGrpSpPr>
+      <p:grpSpPr>
+        <a:xfrm>
+          <a:off x="0" y="0"/>
+          <a:ext cx="0" cy="0"/>
+          <a:chOff x="0" y="0"/>
+          <a:chExt cx="0" cy="0"/>
+        </a:xfrm>
+      </p:grpSpPr>
+      <p:sp>
+        <p:nvSpPr>
+          <p:cNvPr id="2" name="Titel 1">
+            <a:extLst>
+              <a:ext uri="{FF2B5EF4-FFF2-40B4-BE49-F238E27FC236}">
+                <a16:creationId xmlns:a16="http://schemas.microsoft.com/office/drawing/2014/main" id="{A3E2D1C0-7D10-7E9C-0E1F-68149463F5D4}"/>
+              </a:ext>
+            </a:extLst>
+          </p:cNvPr>
+          <p:cNvSpPr>
+            <a:spLocks noGrp="1"/>
+          </p:cNvSpPr>
+          <p:nvPr>
+            <p:ph type="title"/>
+          </p:nvPr>
+        </p:nvSpPr>
+        <p:spPr/>
+        <p:txBody>
+          <a:bodyPr/>
+          <a:lstStyle/>
+          <a:p>
+            <a:r>
+              <a:rPr lang="de-DE" dirty="0"/>
+              <a:t>Data Elements	</a:t>
+            </a:r>
+          </a:p>
+        </p:txBody>
+      </p:sp>
+      <p:pic>
+        <p:nvPicPr>
+          <p:cNvPr id="6" name="Inhaltsplatzhalter 5">
+            <a:extLst>
+              <a:ext uri="{FF2B5EF4-FFF2-40B4-BE49-F238E27FC236}">
+                <a16:creationId xmlns:a16="http://schemas.microsoft.com/office/drawing/2014/main" id="{A641AEB0-9307-A399-A28B-57EE7D29A66E}"/>
+              </a:ext>
+            </a:extLst>
+          </p:cNvPr>
+          <p:cNvPicPr>
+            <a:picLocks noGrp="1" noChangeAspect="1"/>
+          </p:cNvPicPr>
+          <p:nvPr>
+            <p:ph idx="1"/>
+          </p:nvPr>
+        </p:nvPicPr>
+        <p:blipFill>
+          <a:blip r:embed="rId2"/>
+          <a:stretch>
+            <a:fillRect/>
+          </a:stretch>
+        </p:blipFill>
+        <p:spPr>
+          <a:xfrm>
+            <a:off x="838200" y="2807631"/>
+            <a:ext cx="10515600" cy="2387325"/>
+          </a:xfrm>
+          <a:prstGeom prst="rect">
+            <a:avLst/>
+          </a:prstGeom>
+        </p:spPr>
+      </p:pic>
+    </p:spTree>
+    <p:extLst>
+      <p:ext uri="{BB962C8B-B14F-4D97-AF65-F5344CB8AC3E}">
+        <p14:creationId xmlns:p14="http://schemas.microsoft.com/office/powerpoint/2010/main" val="1347572785"/>
+      </p:ext>
+    </p:extLst>
+  </p:cSld>
+  <p:clrMapOvr>
+    <a:masterClrMapping/>
+  </p:clrMapOvr>
+</p:sld>
+</file>
+
 <file path=ppt/slides/slide2.xml><?xml version="1.0" encoding="utf-8"?>
 <p:sld xmlns:a="http://schemas.openxmlformats.org/drawingml/2006/main" xmlns:r="http://schemas.openxmlformats.org/officeDocument/2006/relationships" xmlns:p="http://schemas.openxmlformats.org/presentationml/2006/main">
   <p:cSld>
@@ -5338,6 +5707,202 @@
     <p:extLst>
       <p:ext uri="{BB962C8B-B14F-4D97-AF65-F5344CB8AC3E}">
         <p14:creationId xmlns:p14="http://schemas.microsoft.com/office/powerpoint/2010/main" val="1243473627"/>
+      </p:ext>
+    </p:extLst>
+  </p:cSld>
+  <p:clrMapOvr>
+    <a:masterClrMapping/>
+  </p:clrMapOvr>
+</p:sld>
+</file>
+
+<file path=ppt/slides/slide8.xml><?xml version="1.0" encoding="utf-8"?>
+<p:sld xmlns:a="http://schemas.openxmlformats.org/drawingml/2006/main" xmlns:r="http://schemas.openxmlformats.org/officeDocument/2006/relationships" xmlns:p="http://schemas.openxmlformats.org/presentationml/2006/main">
+  <p:cSld>
+    <p:spTree>
+      <p:nvGrpSpPr>
+        <p:cNvPr id="1" name=""/>
+        <p:cNvGrpSpPr/>
+        <p:nvPr/>
+      </p:nvGrpSpPr>
+      <p:grpSpPr>
+        <a:xfrm>
+          <a:off x="0" y="0"/>
+          <a:ext cx="0" cy="0"/>
+          <a:chOff x="0" y="0"/>
+          <a:chExt cx="0" cy="0"/>
+        </a:xfrm>
+      </p:grpSpPr>
+      <p:sp>
+        <p:nvSpPr>
+          <p:cNvPr id="2" name="Titel 1">
+            <a:extLst>
+              <a:ext uri="{FF2B5EF4-FFF2-40B4-BE49-F238E27FC236}">
+                <a16:creationId xmlns:a16="http://schemas.microsoft.com/office/drawing/2014/main" id="{DDB14E72-F910-7FA0-4906-5F673798FA20}"/>
+              </a:ext>
+            </a:extLst>
+          </p:cNvPr>
+          <p:cNvSpPr>
+            <a:spLocks noGrp="1"/>
+          </p:cNvSpPr>
+          <p:nvPr>
+            <p:ph type="title"/>
+          </p:nvPr>
+        </p:nvSpPr>
+        <p:spPr/>
+        <p:txBody>
+          <a:bodyPr/>
+          <a:lstStyle/>
+          <a:p>
+            <a:r>
+              <a:rPr lang="de-DE" dirty="0"/>
+              <a:t>Info: Lock </a:t>
+            </a:r>
+            <a:r>
+              <a:rPr lang="de-DE" dirty="0" err="1"/>
+              <a:t>Object</a:t>
+            </a:r>
+            <a:r>
+              <a:rPr lang="de-DE" dirty="0"/>
+              <a:t>	</a:t>
+            </a:r>
+          </a:p>
+        </p:txBody>
+      </p:sp>
+      <p:pic>
+        <p:nvPicPr>
+          <p:cNvPr id="4" name="Inhaltsplatzhalter 3">
+            <a:extLst>
+              <a:ext uri="{FF2B5EF4-FFF2-40B4-BE49-F238E27FC236}">
+                <a16:creationId xmlns:a16="http://schemas.microsoft.com/office/drawing/2014/main" id="{5B257EBC-2F2D-FEBE-631C-EF18E0598950}"/>
+              </a:ext>
+            </a:extLst>
+          </p:cNvPr>
+          <p:cNvPicPr>
+            <a:picLocks noGrp="1" noChangeAspect="1"/>
+          </p:cNvPicPr>
+          <p:nvPr>
+            <p:ph idx="1"/>
+          </p:nvPr>
+        </p:nvPicPr>
+        <p:blipFill>
+          <a:blip r:embed="rId2"/>
+          <a:stretch>
+            <a:fillRect/>
+          </a:stretch>
+        </p:blipFill>
+        <p:spPr>
+          <a:xfrm>
+            <a:off x="838200" y="2426333"/>
+            <a:ext cx="10515600" cy="3149921"/>
+          </a:xfrm>
+          <a:prstGeom prst="rect">
+            <a:avLst/>
+          </a:prstGeom>
+        </p:spPr>
+      </p:pic>
+    </p:spTree>
+    <p:extLst>
+      <p:ext uri="{BB962C8B-B14F-4D97-AF65-F5344CB8AC3E}">
+        <p14:creationId xmlns:p14="http://schemas.microsoft.com/office/powerpoint/2010/main" val="3351884586"/>
+      </p:ext>
+    </p:extLst>
+  </p:cSld>
+  <p:clrMapOvr>
+    <a:masterClrMapping/>
+  </p:clrMapOvr>
+</p:sld>
+</file>
+
+<file path=ppt/slides/slide9.xml><?xml version="1.0" encoding="utf-8"?>
+<p:sld xmlns:a="http://schemas.openxmlformats.org/drawingml/2006/main" xmlns:r="http://schemas.openxmlformats.org/officeDocument/2006/relationships" xmlns:p="http://schemas.openxmlformats.org/presentationml/2006/main">
+  <p:cSld>
+    <p:spTree>
+      <p:nvGrpSpPr>
+        <p:cNvPr id="1" name=""/>
+        <p:cNvGrpSpPr/>
+        <p:nvPr/>
+      </p:nvGrpSpPr>
+      <p:grpSpPr>
+        <a:xfrm>
+          <a:off x="0" y="0"/>
+          <a:ext cx="0" cy="0"/>
+          <a:chOff x="0" y="0"/>
+          <a:chExt cx="0" cy="0"/>
+        </a:xfrm>
+      </p:grpSpPr>
+      <p:sp>
+        <p:nvSpPr>
+          <p:cNvPr id="2" name="Titel 1">
+            <a:extLst>
+              <a:ext uri="{FF2B5EF4-FFF2-40B4-BE49-F238E27FC236}">
+                <a16:creationId xmlns:a16="http://schemas.microsoft.com/office/drawing/2014/main" id="{D1BB6B3E-B371-2CC5-511B-B784E78B8B91}"/>
+              </a:ext>
+            </a:extLst>
+          </p:cNvPr>
+          <p:cNvSpPr>
+            <a:spLocks noGrp="1"/>
+          </p:cNvSpPr>
+          <p:nvPr>
+            <p:ph type="title"/>
+          </p:nvPr>
+        </p:nvSpPr>
+        <p:spPr/>
+        <p:txBody>
+          <a:bodyPr/>
+          <a:lstStyle/>
+          <a:p>
+            <a:r>
+              <a:rPr lang="de-DE" dirty="0"/>
+              <a:t>Table </a:t>
+            </a:r>
+            <a:r>
+              <a:rPr lang="de-DE" dirty="0" err="1"/>
+              <a:t>Types</a:t>
+            </a:r>
+            <a:r>
+              <a:rPr lang="de-DE" dirty="0"/>
+              <a:t>	</a:t>
+            </a:r>
+          </a:p>
+        </p:txBody>
+      </p:sp>
+      <p:pic>
+        <p:nvPicPr>
+          <p:cNvPr id="4" name="Inhaltsplatzhalter 3">
+            <a:extLst>
+              <a:ext uri="{FF2B5EF4-FFF2-40B4-BE49-F238E27FC236}">
+                <a16:creationId xmlns:a16="http://schemas.microsoft.com/office/drawing/2014/main" id="{395A3E24-9558-2378-015B-0248C1695C7B}"/>
+              </a:ext>
+            </a:extLst>
+          </p:cNvPr>
+          <p:cNvPicPr>
+            <a:picLocks noGrp="1" noChangeAspect="1"/>
+          </p:cNvPicPr>
+          <p:nvPr>
+            <p:ph idx="1"/>
+          </p:nvPr>
+        </p:nvPicPr>
+        <p:blipFill>
+          <a:blip r:embed="rId2"/>
+          <a:stretch>
+            <a:fillRect/>
+          </a:stretch>
+        </p:blipFill>
+        <p:spPr>
+          <a:xfrm>
+            <a:off x="838200" y="2362994"/>
+            <a:ext cx="10515600" cy="3276600"/>
+          </a:xfrm>
+          <a:prstGeom prst="rect">
+            <a:avLst/>
+          </a:prstGeom>
+        </p:spPr>
+      </p:pic>
+    </p:spTree>
+    <p:extLst>
+      <p:ext uri="{BB962C8B-B14F-4D97-AF65-F5344CB8AC3E}">
+        <p14:creationId xmlns:p14="http://schemas.microsoft.com/office/powerpoint/2010/main" val="1425968917"/>
       </p:ext>
     </p:extLst>
   </p:cSld>
